--- a/Jour2/11 custom directives & components/11_custom components.pptx
+++ b/Jour2/11 custom directives & components/11_custom components.pptx
@@ -1131,6 +1131,13 @@
         </dgm:presLayoutVars>
       </dgm:prSet>
       <dgm:spPr/>
+      <dgm:t>
+        <a:bodyPr/>
+        <a:lstStyle/>
+        <a:p>
+          <a:endParaRPr lang="fr-FR"/>
+        </a:p>
+      </dgm:t>
     </dgm:pt>
     <dgm:pt modelId="{54078A58-0DB4-47EB-94F2-E5F104672BEE}" type="pres">
       <dgm:prSet presAssocID="{A6B64339-5EED-4D4A-A73E-23D114679457}" presName="Background" presStyleLbl="bgImgPlace1" presStyleIdx="0" presStyleCnt="1"/>
@@ -1186,8 +1193,8 @@
   <dgm:cxnLst>
     <dgm:cxn modelId="{A5003E00-0035-448C-8927-2A258528F2DC}" type="presOf" srcId="{A41A3857-D95B-460B-9BA1-0CE051219674}" destId="{FD84E08E-D18D-4DCC-A104-888393398903}" srcOrd="0" destOrd="0" presId="urn:microsoft.com/office/officeart/2009/3/layout/PlusandMinus"/>
     <dgm:cxn modelId="{EB08A212-7E56-46F9-9CE3-E256454A5188}" type="presOf" srcId="{9D6FDCBC-C112-4198-9934-28F2BECB6BB5}" destId="{598C6A44-B483-4A2D-8970-A9F29A62B675}" srcOrd="0" destOrd="0" presId="urn:microsoft.com/office/officeart/2009/3/layout/PlusandMinus"/>
+    <dgm:cxn modelId="{5443084A-2F54-4994-9236-AE56979291DD}" type="presOf" srcId="{A6B64339-5EED-4D4A-A73E-23D114679457}" destId="{67AFB23D-87D2-45C6-81A9-205521B13CBF}" srcOrd="0" destOrd="0" presId="urn:microsoft.com/office/officeart/2009/3/layout/PlusandMinus"/>
     <dgm:cxn modelId="{C6F28A26-A8F9-411B-92B5-378B9C8F2B21}" srcId="{A6B64339-5EED-4D4A-A73E-23D114679457}" destId="{9D6FDCBC-C112-4198-9934-28F2BECB6BB5}" srcOrd="1" destOrd="0" parTransId="{D826FB29-2052-409F-881D-488883230049}" sibTransId="{01388C44-3DE0-48DE-A307-CCCFFC5D2B4E}"/>
-    <dgm:cxn modelId="{5443084A-2F54-4994-9236-AE56979291DD}" type="presOf" srcId="{A6B64339-5EED-4D4A-A73E-23D114679457}" destId="{67AFB23D-87D2-45C6-81A9-205521B13CBF}" srcOrd="0" destOrd="0" presId="urn:microsoft.com/office/officeart/2009/3/layout/PlusandMinus"/>
     <dgm:cxn modelId="{C209795D-ACEA-434E-8E54-7E310D4D1ADF}" srcId="{A6B64339-5EED-4D4A-A73E-23D114679457}" destId="{A41A3857-D95B-460B-9BA1-0CE051219674}" srcOrd="0" destOrd="0" parTransId="{459BFE82-3524-4E9B-8D29-5240BD996756}" sibTransId="{E137D3FC-08C2-4189-B787-FF2EFB9DF47C}"/>
     <dgm:cxn modelId="{2BED6938-11E0-4F2E-9440-0928128090DB}" type="presParOf" srcId="{67AFB23D-87D2-45C6-81A9-205521B13CBF}" destId="{54078A58-0DB4-47EB-94F2-E5F104672BEE}" srcOrd="0" destOrd="0" presId="urn:microsoft.com/office/officeart/2009/3/layout/PlusandMinus"/>
     <dgm:cxn modelId="{D3FB2A9B-1C45-479E-82F5-8F7176145B23}" type="presParOf" srcId="{67AFB23D-87D2-45C6-81A9-205521B13CBF}" destId="{FD84E08E-D18D-4DCC-A104-888393398903}" srcOrd="1" destOrd="0" presId="urn:microsoft.com/office/officeart/2009/3/layout/PlusandMinus"/>
@@ -3038,7 +3045,7 @@
             <a:fld id="{87731427-D242-475D-9180-8940013A50B8}" type="datetimeFigureOut">
               <a:rPr lang="en-GB" smtClean="0"/>
               <a:pPr algn="l"/>
-              <a:t>17/11/2016</a:t>
+              <a:t>21/11/2016</a:t>
             </a:fld>
             <a:endParaRPr lang="en-GB" dirty="0"/>
           </a:p>
@@ -3243,7 +3250,7 @@
             <a:fld id="{BA521D56-F1F4-41A0-82EB-989F4F6F400D}" type="datetimeFigureOut">
               <a:rPr lang="fr-FR" smtClean="0"/>
               <a:pPr/>
-              <a:t>17/11/2016</a:t>
+              <a:t>21/11/2016</a:t>
             </a:fld>
             <a:endParaRPr lang="fr-FR"/>
           </a:p>
@@ -12085,7 +12092,6 @@
               <a:rPr lang="fr-FR" sz="1400" dirty="0" smtClean="0"/>
               <a:t>index.js</a:t>
             </a:r>
-            <a:endParaRPr lang="fr-FR" sz="1400" dirty="0" smtClean="0"/>
           </a:p>
         </p:txBody>
       </p:sp>
@@ -12158,7 +12164,6 @@
               <a:rPr lang="fr-FR" sz="1400" dirty="0" smtClean="0"/>
               <a:t>index.html</a:t>
             </a:r>
-            <a:endParaRPr lang="fr-FR" sz="1400" dirty="0" smtClean="0"/>
           </a:p>
         </p:txBody>
       </p:sp>
@@ -12261,7 +12266,6 @@
               <a:rPr lang="fr-FR" sz="1400" dirty="0" smtClean="0"/>
               <a:t>heroDetail.html</a:t>
             </a:r>
-            <a:endParaRPr lang="fr-FR" sz="1400" dirty="0" smtClean="0"/>
           </a:p>
         </p:txBody>
       </p:sp>
@@ -12304,7 +12308,6 @@
               <a:rPr lang="fr-FR" sz="1400" dirty="0" smtClean="0"/>
               <a:t>heroDetail.js</a:t>
             </a:r>
-            <a:endParaRPr lang="fr-FR" sz="1400" dirty="0" smtClean="0"/>
           </a:p>
         </p:txBody>
       </p:sp>
